--- a/ADRENALINBATTLE.pptx
+++ b/ADRENALINBATTLE.pptx
@@ -3905,7 +3905,7 @@
                   <a:schemeClr val="tx1"/>
                 </a:solidFill>
               </a:rPr>
-              <a:t>:</a:t>
+              <a:t>: https://github.com/VyacheslaVVVKozlov/MDKEX</a:t>
             </a:r>
             <a:endParaRPr lang="ru-RU" dirty="0">
               <a:solidFill>
@@ -4225,7 +4225,7 @@
             </a:r>
             <a:r>
               <a:rPr lang="en-US" dirty="0"/>
-              <a:t>:</a:t>
+              <a:t>: https://github.com/VyacheslaVVVKozlov/MDKEX</a:t>
             </a:r>
             <a:endParaRPr lang="ru-RU" dirty="0"/>
           </a:p>
@@ -5435,7 +5435,7 @@
           <a:graphicData uri="http://schemas.openxmlformats.org/presentationml/2006/ole">
             <mc:AlternateContent xmlns:mc="http://schemas.openxmlformats.org/markup-compatibility/2006">
               <mc:Choice xmlns:v="urn:schemas-microsoft-com:vml" Requires="v">
-                <p:oleObj spid="_x0000_s1039" name="Visio" r:id="rId3" imgW="10020228" imgH="5657850" progId="Visio.Drawing.15">
+                <p:oleObj spid="_x0000_s1042" name="Visio" r:id="rId3" imgW="10020228" imgH="5657850" progId="Visio.Drawing.15">
                   <p:embed/>
                 </p:oleObj>
               </mc:Choice>

--- a/ADRENALINBATTLE.pptx
+++ b/ADRENALINBATTLE.pptx
@@ -4561,6 +4561,57 @@
           </a:p>
         </p:txBody>
       </p:sp>
+      <p:sp>
+        <p:nvSpPr>
+          <p:cNvPr id="3" name="TextBox 2">
+            <a:extLst>
+              <a:ext uri="{FF2B5EF4-FFF2-40B4-BE49-F238E27FC236}">
+                <a16:creationId xmlns:a16="http://schemas.microsoft.com/office/drawing/2014/main" id="{7A25D44C-DA30-4F96-B0F1-5A4A7DEE7435}"/>
+              </a:ext>
+            </a:extLst>
+          </p:cNvPr>
+          <p:cNvSpPr txBox="1"/>
+          <p:nvPr/>
+        </p:nvSpPr>
+        <p:spPr>
+          <a:xfrm>
+            <a:off x="6093656" y="3579657"/>
+            <a:ext cx="4865076" cy="369332"/>
+          </a:xfrm>
+          <a:prstGeom prst="rect">
+            <a:avLst/>
+          </a:prstGeom>
+          <a:noFill/>
+        </p:spPr>
+        <p:txBody>
+          <a:bodyPr wrap="square" rtlCol="0">
+            <a:spAutoFit/>
+          </a:bodyPr>
+          <a:lstStyle/>
+          <a:p>
+            <a:r>
+              <a:rPr lang="ru-RU" dirty="0"/>
+              <a:t>Предполагаемая нагрузка: 5% </a:t>
+            </a:r>
+            <a:r>
+              <a:rPr lang="en-US" dirty="0"/>
+              <a:t>CPU, </a:t>
+            </a:r>
+            <a:r>
+              <a:rPr lang="ru-RU" dirty="0"/>
+              <a:t>150 </a:t>
+            </a:r>
+            <a:r>
+              <a:rPr lang="ru-RU" dirty="0" err="1"/>
+              <a:t>мб</a:t>
+            </a:r>
+            <a:r>
+              <a:rPr lang="ru-RU" dirty="0"/>
+              <a:t> ОЗУ</a:t>
+            </a:r>
+          </a:p>
+        </p:txBody>
+      </p:sp>
     </p:spTree>
     <p:extLst>
       <p:ext uri="{BB962C8B-B14F-4D97-AF65-F5344CB8AC3E}">
@@ -5435,7 +5486,7 @@
           <a:graphicData uri="http://schemas.openxmlformats.org/presentationml/2006/ole">
             <mc:AlternateContent xmlns:mc="http://schemas.openxmlformats.org/markup-compatibility/2006">
               <mc:Choice xmlns:v="urn:schemas-microsoft-com:vml" Requires="v">
-                <p:oleObj spid="_x0000_s1042" name="Visio" r:id="rId3" imgW="10020228" imgH="5657850" progId="Visio.Drawing.15">
+                <p:oleObj spid="_x0000_s1044" name="Visio" r:id="rId3" imgW="10020228" imgH="5657850" progId="Visio.Drawing.15">
                   <p:embed/>
                 </p:oleObj>
               </mc:Choice>

--- a/ADRENALINBATTLE.pptx
+++ b/ADRENALINBATTLE.pptx
@@ -14,8 +14,9 @@
     <p:sldId id="268" r:id="rId8"/>
     <p:sldId id="266" r:id="rId9"/>
     <p:sldId id="267" r:id="rId10"/>
-    <p:sldId id="272" r:id="rId11"/>
-    <p:sldId id="273" r:id="rId12"/>
+    <p:sldId id="274" r:id="rId11"/>
+    <p:sldId id="272" r:id="rId12"/>
+    <p:sldId id="273" r:id="rId13"/>
   </p:sldIdLst>
   <p:sldSz cx="12192000" cy="6858000"/>
   <p:notesSz cx="6858000" cy="9144000"/>
@@ -3945,12 +3946,41 @@
           <a:chExt cx="0" cy="0"/>
         </a:xfrm>
       </p:grpSpPr>
-      <p:sp>
-        <p:nvSpPr>
-          <p:cNvPr id="2" name="TextBox 1">
+      <p:pic>
+        <p:nvPicPr>
+          <p:cNvPr id="3" name="Рисунок 2">
             <a:extLst>
               <a:ext uri="{FF2B5EF4-FFF2-40B4-BE49-F238E27FC236}">
-                <a16:creationId xmlns:a16="http://schemas.microsoft.com/office/drawing/2014/main" id="{42A27484-8B9B-4F98-9014-D8A1B5E55D9E}"/>
+                <a16:creationId xmlns:a16="http://schemas.microsoft.com/office/drawing/2014/main" id="{A454C699-49B9-4694-984F-824193E17F55}"/>
+              </a:ext>
+            </a:extLst>
+          </p:cNvPr>
+          <p:cNvPicPr>
+            <a:picLocks noChangeAspect="1"/>
+          </p:cNvPicPr>
+          <p:nvPr/>
+        </p:nvPicPr>
+        <p:blipFill rotWithShape="1">
+          <a:blip r:embed="rId2"/>
+          <a:srcRect b="15005"/>
+          <a:stretch/>
+        </p:blipFill>
+        <p:spPr>
+          <a:xfrm>
+            <a:off x="4689228" y="28136"/>
+            <a:ext cx="5439932" cy="6295143"/>
+          </a:xfrm>
+          <a:prstGeom prst="rect">
+            <a:avLst/>
+          </a:prstGeom>
+        </p:spPr>
+      </p:pic>
+      <p:sp>
+        <p:nvSpPr>
+          <p:cNvPr id="4" name="TextBox 3">
+            <a:extLst>
+              <a:ext uri="{FF2B5EF4-FFF2-40B4-BE49-F238E27FC236}">
+                <a16:creationId xmlns:a16="http://schemas.microsoft.com/office/drawing/2014/main" id="{57AD5EF2-35EF-4D06-B6A7-2F4088EF033B}"/>
               </a:ext>
             </a:extLst>
           </p:cNvPr>
@@ -3959,8 +3989,8 @@
         </p:nvSpPr>
         <p:spPr>
           <a:xfrm>
-            <a:off x="4879144" y="253218"/>
-            <a:ext cx="2433711" cy="830997"/>
+            <a:off x="379827" y="154745"/>
+            <a:ext cx="3418450" cy="1323439"/>
           </a:xfrm>
           <a:prstGeom prst="rect">
             <a:avLst/>
@@ -3973,24 +4003,19 @@
           </a:bodyPr>
           <a:lstStyle/>
           <a:p>
-            <a:pPr algn="ctr"/>
-            <a:r>
-              <a:rPr lang="ru-RU" sz="4800" dirty="0"/>
-              <a:t>Вывод</a:t>
-            </a:r>
-            <a:r>
-              <a:rPr lang="ru-RU" sz="4400" dirty="0"/>
-              <a:t>:</a:t>
-            </a:r>
-          </a:p>
-        </p:txBody>
-      </p:sp>
-      <p:sp>
-        <p:nvSpPr>
-          <p:cNvPr id="3" name="TextBox 2">
+            <a:r>
+              <a:rPr lang="ru-RU" sz="4000" dirty="0"/>
+              <a:t>Форма для тестирования</a:t>
+            </a:r>
+          </a:p>
+        </p:txBody>
+      </p:sp>
+      <p:sp>
+        <p:nvSpPr>
+          <p:cNvPr id="5" name="TextBox 4">
             <a:extLst>
               <a:ext uri="{FF2B5EF4-FFF2-40B4-BE49-F238E27FC236}">
-                <a16:creationId xmlns:a16="http://schemas.microsoft.com/office/drawing/2014/main" id="{AE257DC4-D547-43FA-B6DC-255BF7CB7231}"/>
+                <a16:creationId xmlns:a16="http://schemas.microsoft.com/office/drawing/2014/main" id="{677D554A-72EF-4FB1-9DF7-4F5899AB1222}"/>
               </a:ext>
             </a:extLst>
           </p:cNvPr>
@@ -3999,8 +4024,8 @@
         </p:nvSpPr>
         <p:spPr>
           <a:xfrm>
-            <a:off x="630701" y="1209821"/>
-            <a:ext cx="10930597" cy="1384995"/>
+            <a:off x="10691445" y="5598620"/>
+            <a:ext cx="1645920" cy="707886"/>
           </a:xfrm>
           <a:prstGeom prst="rect">
             <a:avLst/>
@@ -4014,113 +4039,8 @@
           <a:lstStyle/>
           <a:p>
             <a:r>
-              <a:rPr lang="ru-RU" sz="2800" dirty="0"/>
-              <a:t>	Работа выполнена на 40%. Были реализованы: структура и дизайн сайта, созданы макеты страниц, проработан функционал отправки отзыва.</a:t>
-            </a:r>
-          </a:p>
-        </p:txBody>
-      </p:sp>
-      <p:sp>
-        <p:nvSpPr>
-          <p:cNvPr id="4" name="TextBox 3">
-            <a:extLst>
-              <a:ext uri="{FF2B5EF4-FFF2-40B4-BE49-F238E27FC236}">
-                <a16:creationId xmlns:a16="http://schemas.microsoft.com/office/drawing/2014/main" id="{D1C65732-1272-45CA-8FFD-8EA668147974}"/>
-              </a:ext>
-            </a:extLst>
-          </p:cNvPr>
-          <p:cNvSpPr txBox="1"/>
-          <p:nvPr/>
-        </p:nvSpPr>
-        <p:spPr>
-          <a:xfrm>
-            <a:off x="630701" y="2828608"/>
-            <a:ext cx="9765324" cy="954107"/>
-          </a:xfrm>
-          <a:prstGeom prst="rect">
-            <a:avLst/>
-          </a:prstGeom>
-          <a:noFill/>
-        </p:spPr>
-        <p:txBody>
-          <a:bodyPr wrap="square" rtlCol="0">
-            <a:spAutoFit/>
-          </a:bodyPr>
-          <a:lstStyle/>
-          <a:p>
-            <a:r>
-              <a:rPr lang="ru-RU" sz="2800" dirty="0"/>
-              <a:t>	В дальнейшем планируется создать оставшиеся макеты страниц и проработать весь функционал сайта.</a:t>
-            </a:r>
-          </a:p>
-        </p:txBody>
-      </p:sp>
-      <p:sp>
-        <p:nvSpPr>
-          <p:cNvPr id="5" name="TextBox 4">
-            <a:extLst>
-              <a:ext uri="{FF2B5EF4-FFF2-40B4-BE49-F238E27FC236}">
-                <a16:creationId xmlns:a16="http://schemas.microsoft.com/office/drawing/2014/main" id="{FAAF37FD-4D4B-4AD5-A2FE-95A458E66536}"/>
-              </a:ext>
-            </a:extLst>
-          </p:cNvPr>
-          <p:cNvSpPr txBox="1"/>
-          <p:nvPr/>
-        </p:nvSpPr>
-        <p:spPr>
-          <a:xfrm>
-            <a:off x="630701" y="4516731"/>
-            <a:ext cx="8864991" cy="954107"/>
-          </a:xfrm>
-          <a:prstGeom prst="rect">
-            <a:avLst/>
-          </a:prstGeom>
-          <a:noFill/>
-        </p:spPr>
-        <p:txBody>
-          <a:bodyPr wrap="square" rtlCol="0">
-            <a:spAutoFit/>
-          </a:bodyPr>
-          <a:lstStyle/>
-          <a:p>
-            <a:r>
-              <a:rPr lang="ru-RU" sz="2800" dirty="0"/>
-              <a:t>	Особо мне удалось создать тест-кейсы и составить по ним отчет.</a:t>
-            </a:r>
-          </a:p>
-        </p:txBody>
-      </p:sp>
-      <p:sp>
-        <p:nvSpPr>
-          <p:cNvPr id="6" name="TextBox 5">
-            <a:extLst>
-              <a:ext uri="{FF2B5EF4-FFF2-40B4-BE49-F238E27FC236}">
-                <a16:creationId xmlns:a16="http://schemas.microsoft.com/office/drawing/2014/main" id="{694A536D-637F-4680-8308-F241101F8DA0}"/>
-              </a:ext>
-            </a:extLst>
-          </p:cNvPr>
-          <p:cNvSpPr txBox="1"/>
-          <p:nvPr/>
-        </p:nvSpPr>
-        <p:spPr>
-          <a:xfrm>
-            <a:off x="10691445" y="5598620"/>
-            <a:ext cx="1645920" cy="707886"/>
-          </a:xfrm>
-          <a:prstGeom prst="rect">
-            <a:avLst/>
-          </a:prstGeom>
-          <a:noFill/>
-        </p:spPr>
-        <p:txBody>
-          <a:bodyPr wrap="square" rtlCol="0">
-            <a:spAutoFit/>
-          </a:bodyPr>
-          <a:lstStyle/>
-          <a:p>
-            <a:r>
               <a:rPr lang="ru-RU" sz="4000" dirty="0"/>
-              <a:t>10/11</a:t>
+              <a:t>10/12</a:t>
             </a:r>
           </a:p>
         </p:txBody>
@@ -4128,7 +4048,7 @@
     </p:spTree>
     <p:extLst>
       <p:ext uri="{BB962C8B-B14F-4D97-AF65-F5344CB8AC3E}">
-        <p14:creationId xmlns:p14="http://schemas.microsoft.com/office/powerpoint/2010/main" val="3521384721"/>
+        <p14:creationId xmlns:p14="http://schemas.microsoft.com/office/powerpoint/2010/main" val="1220427427"/>
       </p:ext>
     </p:extLst>
   </p:cSld>
@@ -4157,6 +4077,216 @@
       </p:grpSpPr>
       <p:sp>
         <p:nvSpPr>
+          <p:cNvPr id="2" name="TextBox 1">
+            <a:extLst>
+              <a:ext uri="{FF2B5EF4-FFF2-40B4-BE49-F238E27FC236}">
+                <a16:creationId xmlns:a16="http://schemas.microsoft.com/office/drawing/2014/main" id="{42A27484-8B9B-4F98-9014-D8A1B5E55D9E}"/>
+              </a:ext>
+            </a:extLst>
+          </p:cNvPr>
+          <p:cNvSpPr txBox="1"/>
+          <p:nvPr/>
+        </p:nvSpPr>
+        <p:spPr>
+          <a:xfrm>
+            <a:off x="4879144" y="253218"/>
+            <a:ext cx="2433711" cy="830997"/>
+          </a:xfrm>
+          <a:prstGeom prst="rect">
+            <a:avLst/>
+          </a:prstGeom>
+          <a:noFill/>
+        </p:spPr>
+        <p:txBody>
+          <a:bodyPr wrap="square" rtlCol="0">
+            <a:spAutoFit/>
+          </a:bodyPr>
+          <a:lstStyle/>
+          <a:p>
+            <a:pPr algn="ctr"/>
+            <a:r>
+              <a:rPr lang="ru-RU" sz="4800" dirty="0"/>
+              <a:t>Вывод</a:t>
+            </a:r>
+            <a:r>
+              <a:rPr lang="ru-RU" sz="4400" dirty="0"/>
+              <a:t>:</a:t>
+            </a:r>
+          </a:p>
+        </p:txBody>
+      </p:sp>
+      <p:sp>
+        <p:nvSpPr>
+          <p:cNvPr id="3" name="TextBox 2">
+            <a:extLst>
+              <a:ext uri="{FF2B5EF4-FFF2-40B4-BE49-F238E27FC236}">
+                <a16:creationId xmlns:a16="http://schemas.microsoft.com/office/drawing/2014/main" id="{AE257DC4-D547-43FA-B6DC-255BF7CB7231}"/>
+              </a:ext>
+            </a:extLst>
+          </p:cNvPr>
+          <p:cNvSpPr txBox="1"/>
+          <p:nvPr/>
+        </p:nvSpPr>
+        <p:spPr>
+          <a:xfrm>
+            <a:off x="630701" y="1209821"/>
+            <a:ext cx="10930597" cy="1384995"/>
+          </a:xfrm>
+          <a:prstGeom prst="rect">
+            <a:avLst/>
+          </a:prstGeom>
+          <a:noFill/>
+        </p:spPr>
+        <p:txBody>
+          <a:bodyPr wrap="square" rtlCol="0">
+            <a:spAutoFit/>
+          </a:bodyPr>
+          <a:lstStyle/>
+          <a:p>
+            <a:r>
+              <a:rPr lang="ru-RU" sz="2800" dirty="0"/>
+              <a:t>	Работа выполнена на 40%. Были реализованы: структура и дизайн сайта, созданы макеты страниц, проработан функционал отправки отзыва.</a:t>
+            </a:r>
+          </a:p>
+        </p:txBody>
+      </p:sp>
+      <p:sp>
+        <p:nvSpPr>
+          <p:cNvPr id="4" name="TextBox 3">
+            <a:extLst>
+              <a:ext uri="{FF2B5EF4-FFF2-40B4-BE49-F238E27FC236}">
+                <a16:creationId xmlns:a16="http://schemas.microsoft.com/office/drawing/2014/main" id="{D1C65732-1272-45CA-8FFD-8EA668147974}"/>
+              </a:ext>
+            </a:extLst>
+          </p:cNvPr>
+          <p:cNvSpPr txBox="1"/>
+          <p:nvPr/>
+        </p:nvSpPr>
+        <p:spPr>
+          <a:xfrm>
+            <a:off x="630701" y="2828608"/>
+            <a:ext cx="9765324" cy="954107"/>
+          </a:xfrm>
+          <a:prstGeom prst="rect">
+            <a:avLst/>
+          </a:prstGeom>
+          <a:noFill/>
+        </p:spPr>
+        <p:txBody>
+          <a:bodyPr wrap="square" rtlCol="0">
+            <a:spAutoFit/>
+          </a:bodyPr>
+          <a:lstStyle/>
+          <a:p>
+            <a:r>
+              <a:rPr lang="ru-RU" sz="2800" dirty="0"/>
+              <a:t>	В дальнейшем планируется создать оставшиеся макеты страниц и проработать весь функционал сайта.</a:t>
+            </a:r>
+          </a:p>
+        </p:txBody>
+      </p:sp>
+      <p:sp>
+        <p:nvSpPr>
+          <p:cNvPr id="5" name="TextBox 4">
+            <a:extLst>
+              <a:ext uri="{FF2B5EF4-FFF2-40B4-BE49-F238E27FC236}">
+                <a16:creationId xmlns:a16="http://schemas.microsoft.com/office/drawing/2014/main" id="{FAAF37FD-4D4B-4AD5-A2FE-95A458E66536}"/>
+              </a:ext>
+            </a:extLst>
+          </p:cNvPr>
+          <p:cNvSpPr txBox="1"/>
+          <p:nvPr/>
+        </p:nvSpPr>
+        <p:spPr>
+          <a:xfrm>
+            <a:off x="630701" y="4516731"/>
+            <a:ext cx="8864991" cy="954107"/>
+          </a:xfrm>
+          <a:prstGeom prst="rect">
+            <a:avLst/>
+          </a:prstGeom>
+          <a:noFill/>
+        </p:spPr>
+        <p:txBody>
+          <a:bodyPr wrap="square" rtlCol="0">
+            <a:spAutoFit/>
+          </a:bodyPr>
+          <a:lstStyle/>
+          <a:p>
+            <a:r>
+              <a:rPr lang="ru-RU" sz="2800" dirty="0"/>
+              <a:t>	Особо мне удалось создать тест-кейсы и составить по ним отчет.</a:t>
+            </a:r>
+          </a:p>
+        </p:txBody>
+      </p:sp>
+      <p:sp>
+        <p:nvSpPr>
+          <p:cNvPr id="6" name="TextBox 5">
+            <a:extLst>
+              <a:ext uri="{FF2B5EF4-FFF2-40B4-BE49-F238E27FC236}">
+                <a16:creationId xmlns:a16="http://schemas.microsoft.com/office/drawing/2014/main" id="{694A536D-637F-4680-8308-F241101F8DA0}"/>
+              </a:ext>
+            </a:extLst>
+          </p:cNvPr>
+          <p:cNvSpPr txBox="1"/>
+          <p:nvPr/>
+        </p:nvSpPr>
+        <p:spPr>
+          <a:xfrm>
+            <a:off x="10691445" y="5598620"/>
+            <a:ext cx="1645920" cy="707886"/>
+          </a:xfrm>
+          <a:prstGeom prst="rect">
+            <a:avLst/>
+          </a:prstGeom>
+          <a:noFill/>
+        </p:spPr>
+        <p:txBody>
+          <a:bodyPr wrap="square" rtlCol="0">
+            <a:spAutoFit/>
+          </a:bodyPr>
+          <a:lstStyle/>
+          <a:p>
+            <a:r>
+              <a:rPr lang="ru-RU" sz="4000" dirty="0"/>
+              <a:t>11/12</a:t>
+            </a:r>
+          </a:p>
+        </p:txBody>
+      </p:sp>
+    </p:spTree>
+    <p:extLst>
+      <p:ext uri="{BB962C8B-B14F-4D97-AF65-F5344CB8AC3E}">
+        <p14:creationId xmlns:p14="http://schemas.microsoft.com/office/powerpoint/2010/main" val="3521384721"/>
+      </p:ext>
+    </p:extLst>
+  </p:cSld>
+  <p:clrMapOvr>
+    <a:masterClrMapping/>
+  </p:clrMapOvr>
+</p:sld>
+</file>
+
+<file path=ppt/slides/slide12.xml><?xml version="1.0" encoding="utf-8"?>
+<p:sld xmlns:a="http://schemas.openxmlformats.org/drawingml/2006/main" xmlns:r="http://schemas.openxmlformats.org/officeDocument/2006/relationships" xmlns:p="http://schemas.openxmlformats.org/presentationml/2006/main">
+  <p:cSld>
+    <p:spTree>
+      <p:nvGrpSpPr>
+        <p:cNvPr id="1" name=""/>
+        <p:cNvGrpSpPr/>
+        <p:nvPr/>
+      </p:nvGrpSpPr>
+      <p:grpSpPr>
+        <a:xfrm>
+          <a:off x="0" y="0"/>
+          <a:ext cx="0" cy="0"/>
+          <a:chOff x="0" y="0"/>
+          <a:chExt cx="0" cy="0"/>
+        </a:xfrm>
+      </p:grpSpPr>
+      <p:sp>
+        <p:nvSpPr>
           <p:cNvPr id="2" name="Заголовок 1">
             <a:extLst>
               <a:ext uri="{FF2B5EF4-FFF2-40B4-BE49-F238E27FC236}">
@@ -4261,7 +4391,7 @@
           <a:p>
             <a:r>
               <a:rPr lang="ru-RU" sz="4000" dirty="0"/>
-              <a:t>11/11</a:t>
+              <a:t>12/12</a:t>
             </a:r>
           </a:p>
         </p:txBody>
@@ -4556,7 +4686,7 @@
           <a:p>
             <a:r>
               <a:rPr lang="ru-RU" sz="4000" dirty="0"/>
-              <a:t>2/11</a:t>
+              <a:t>2/12</a:t>
             </a:r>
           </a:p>
         </p:txBody>
@@ -5318,7 +5448,7 @@
           <a:p>
             <a:r>
               <a:rPr lang="ru-RU" sz="4000" dirty="0"/>
-              <a:t>3/11</a:t>
+              <a:t>3/12</a:t>
             </a:r>
           </a:p>
         </p:txBody>
@@ -5486,7 +5616,7 @@
           <a:graphicData uri="http://schemas.openxmlformats.org/presentationml/2006/ole">
             <mc:AlternateContent xmlns:mc="http://schemas.openxmlformats.org/markup-compatibility/2006">
               <mc:Choice xmlns:v="urn:schemas-microsoft-com:vml" Requires="v">
-                <p:oleObj spid="_x0000_s1044" name="Visio" r:id="rId3" imgW="10020228" imgH="5657850" progId="Visio.Drawing.15">
+                <p:oleObj spid="_x0000_s1045" name="Visio" r:id="rId3" imgW="10020228" imgH="5657850" progId="Visio.Drawing.15">
                   <p:embed/>
                 </p:oleObj>
               </mc:Choice>
@@ -5561,7 +5691,7 @@
           <a:p>
             <a:r>
               <a:rPr lang="ru-RU" sz="4000" dirty="0"/>
-              <a:t>4/11</a:t>
+              <a:t>4/12</a:t>
             </a:r>
           </a:p>
         </p:txBody>
@@ -5659,7 +5789,7 @@
           <a:p>
             <a:r>
               <a:rPr lang="ru-RU" sz="4000" dirty="0"/>
-              <a:t>5/11</a:t>
+              <a:t>5/12</a:t>
             </a:r>
           </a:p>
         </p:txBody>
@@ -5937,7 +6067,7 @@
           <a:p>
             <a:r>
               <a:rPr lang="ru-RU" sz="4000" dirty="0"/>
-              <a:t>6/11</a:t>
+              <a:t>6/12</a:t>
             </a:r>
           </a:p>
         </p:txBody>
@@ -6083,7 +6213,7 @@
           <a:p>
             <a:r>
               <a:rPr lang="ru-RU" sz="4000" dirty="0"/>
-              <a:t>7/11</a:t>
+              <a:t>7/12</a:t>
             </a:r>
           </a:p>
         </p:txBody>
@@ -6681,7 +6811,7 @@
           <a:p>
             <a:r>
               <a:rPr lang="ru-RU" sz="4000" dirty="0"/>
-              <a:t>8/11</a:t>
+              <a:t>8/12</a:t>
             </a:r>
           </a:p>
         </p:txBody>
@@ -6960,7 +7090,7 @@
           <a:p>
             <a:r>
               <a:rPr lang="ru-RU" sz="4000" dirty="0"/>
-              <a:t>9/11</a:t>
+              <a:t>9/12</a:t>
             </a:r>
           </a:p>
         </p:txBody>
